--- a/12_SVM.pptx
+++ b/12_SVM.pptx
@@ -226,7 +226,7 @@
             <a:fld id="{6837EDA8-41C8-4B24-A206-13C08A65A6D7}" type="datetimeFigureOut">
               <a:rPr lang="zh-TW" altLang="en-US" smtClean="0"/>
               <a:pPr/>
-              <a:t>2020/4/26</a:t>
+              <a:t>2020/4/28</a:t>
             </a:fld>
             <a:endParaRPr lang="zh-TW" altLang="en-US"/>
           </a:p>
@@ -679,7 +679,7 @@
             <a:fld id="{8B85509C-BD4F-47BF-9B1E-FC2E949B3621}" type="datetime1">
               <a:rPr lang="zh-TW" altLang="en-US" smtClean="0"/>
               <a:pPr/>
-              <a:t>2020/4/26</a:t>
+              <a:t>2020/4/28</a:t>
             </a:fld>
             <a:endParaRPr lang="zh-TW" altLang="en-US"/>
           </a:p>
@@ -852,7 +852,7 @@
             <a:fld id="{42251B24-F787-4C15-8A0F-7AEC20C70069}" type="datetime1">
               <a:rPr lang="zh-TW" altLang="en-US" smtClean="0"/>
               <a:pPr/>
-              <a:t>2020/4/26</a:t>
+              <a:t>2020/4/28</a:t>
             </a:fld>
             <a:endParaRPr lang="zh-TW" altLang="en-US"/>
           </a:p>
@@ -1027,7 +1027,7 @@
             <a:fld id="{9CA0D33C-CE2B-45F1-B8D4-FFD1F131F331}" type="datetime1">
               <a:rPr lang="zh-TW" altLang="en-US" smtClean="0"/>
               <a:pPr/>
-              <a:t>2020/4/26</a:t>
+              <a:t>2020/4/28</a:t>
             </a:fld>
             <a:endParaRPr lang="zh-TW" altLang="en-US"/>
           </a:p>
@@ -1192,7 +1192,7 @@
             <a:fld id="{50B99440-D9EF-40CC-9B52-F6428D9B2C76}" type="datetime1">
               <a:rPr lang="zh-TW" altLang="en-US" smtClean="0"/>
               <a:pPr/>
-              <a:t>2020/4/26</a:t>
+              <a:t>2020/4/28</a:t>
             </a:fld>
             <a:endParaRPr lang="zh-TW" altLang="en-US"/>
           </a:p>
@@ -1434,7 +1434,7 @@
             <a:fld id="{0871BF52-5C6C-4959-8E27-CECB68D39FE4}" type="datetime1">
               <a:rPr lang="zh-TW" altLang="en-US" smtClean="0"/>
               <a:pPr/>
-              <a:t>2020/4/26</a:t>
+              <a:t>2020/4/28</a:t>
             </a:fld>
             <a:endParaRPr lang="zh-TW" altLang="en-US"/>
           </a:p>
@@ -1716,7 +1716,7 @@
             <a:fld id="{DF863F05-2DD9-4EB1-A827-12FD992DE9DC}" type="datetime1">
               <a:rPr lang="zh-TW" altLang="en-US" smtClean="0"/>
               <a:pPr/>
-              <a:t>2020/4/26</a:t>
+              <a:t>2020/4/28</a:t>
             </a:fld>
             <a:endParaRPr lang="zh-TW" altLang="en-US"/>
           </a:p>
@@ -2132,7 +2132,7 @@
             <a:fld id="{6339AF51-4491-4873-A096-75DB6CE47516}" type="datetime1">
               <a:rPr lang="zh-TW" altLang="en-US" smtClean="0"/>
               <a:pPr/>
-              <a:t>2020/4/26</a:t>
+              <a:t>2020/4/28</a:t>
             </a:fld>
             <a:endParaRPr lang="zh-TW" altLang="en-US"/>
           </a:p>
@@ -2246,7 +2246,7 @@
             <a:fld id="{EE4AD9C8-8B9E-40FF-ABE2-858AC2057BBB}" type="datetime1">
               <a:rPr lang="zh-TW" altLang="en-US" smtClean="0"/>
               <a:pPr/>
-              <a:t>2020/4/26</a:t>
+              <a:t>2020/4/28</a:t>
             </a:fld>
             <a:endParaRPr lang="zh-TW" altLang="en-US"/>
           </a:p>
@@ -2338,7 +2338,7 @@
             <a:fld id="{B4784999-BBBE-4BE4-A8D0-877E7D1D66CC}" type="datetime1">
               <a:rPr lang="zh-TW" altLang="en-US" smtClean="0"/>
               <a:pPr/>
-              <a:t>2020/4/26</a:t>
+              <a:t>2020/4/28</a:t>
             </a:fld>
             <a:endParaRPr lang="zh-TW" altLang="en-US"/>
           </a:p>
@@ -2610,7 +2610,7 @@
             <a:fld id="{E88D17E6-02BD-4944-B9FE-7BFCCBF83D48}" type="datetime1">
               <a:rPr lang="zh-TW" altLang="en-US" smtClean="0"/>
               <a:pPr/>
-              <a:t>2020/4/26</a:t>
+              <a:t>2020/4/28</a:t>
             </a:fld>
             <a:endParaRPr lang="zh-TW" altLang="en-US"/>
           </a:p>
@@ -2859,7 +2859,7 @@
             <a:fld id="{3C13E23D-1FEF-4D78-A3A3-3D6F2BB31954}" type="datetime1">
               <a:rPr lang="zh-TW" altLang="en-US" smtClean="0"/>
               <a:pPr/>
-              <a:t>2020/4/26</a:t>
+              <a:t>2020/4/28</a:t>
             </a:fld>
             <a:endParaRPr lang="zh-TW" altLang="en-US"/>
           </a:p>
@@ -3067,7 +3067,7 @@
             <a:fld id="{06197F35-AD6F-4594-8B50-334492D2E7E8}" type="datetime1">
               <a:rPr lang="zh-TW" altLang="en-US" smtClean="0"/>
               <a:pPr/>
-              <a:t>2020/4/26</a:t>
+              <a:t>2020/4/28</a:t>
             </a:fld>
             <a:endParaRPr lang="zh-TW" altLang="en-US"/>
           </a:p>
@@ -3528,7 +3528,7 @@
             <a:fld id="{C389EDC9-19E3-47AC-9C57-C6A24DEA81AD}" type="datetime1">
               <a:rPr lang="zh-TW" altLang="en-US" smtClean="0"/>
               <a:pPr/>
-              <a:t>2020/4/26</a:t>
+              <a:t>2020/4/28</a:t>
             </a:fld>
             <a:endParaRPr lang="zh-TW" altLang="en-US"/>
           </a:p>
@@ -3672,7 +3672,7 @@
             <a:fld id="{C389EDC9-19E3-47AC-9C57-C6A24DEA81AD}" type="datetime1">
               <a:rPr lang="zh-TW" altLang="en-US" smtClean="0"/>
               <a:pPr/>
-              <a:t>2020/4/26</a:t>
+              <a:t>2020/4/28</a:t>
             </a:fld>
             <a:endParaRPr lang="zh-TW" altLang="en-US"/>
           </a:p>
@@ -3955,7 +3955,7 @@
             <a:fld id="{A4F910E6-8D00-4BAF-8C48-9688E0B449D3}" type="datetime1">
               <a:rPr lang="zh-TW" altLang="en-US" smtClean="0"/>
               <a:pPr/>
-              <a:t>2020/4/26</a:t>
+              <a:t>2020/4/28</a:t>
             </a:fld>
             <a:endParaRPr lang="zh-TW" altLang="en-US" dirty="0"/>
           </a:p>
@@ -4243,7 +4243,7 @@
             <a:fld id="{A4F910E6-8D00-4BAF-8C48-9688E0B449D3}" type="datetime1">
               <a:rPr lang="zh-TW" altLang="en-US" smtClean="0"/>
               <a:pPr/>
-              <a:t>2020/4/26</a:t>
+              <a:t>2020/4/28</a:t>
             </a:fld>
             <a:endParaRPr lang="zh-TW" altLang="en-US" dirty="0"/>
           </a:p>
@@ -4413,7 +4413,7 @@
             <a:fld id="{C389EDC9-19E3-47AC-9C57-C6A24DEA81AD}" type="datetime1">
               <a:rPr lang="zh-TW" altLang="en-US" smtClean="0"/>
               <a:pPr/>
-              <a:t>2020/4/26</a:t>
+              <a:t>2020/4/28</a:t>
             </a:fld>
             <a:endParaRPr lang="zh-TW" altLang="en-US"/>
           </a:p>
@@ -4712,7 +4712,7 @@
             <a:fld id="{A4F910E6-8D00-4BAF-8C48-9688E0B449D3}" type="datetime1">
               <a:rPr lang="zh-TW" altLang="en-US" smtClean="0"/>
               <a:pPr/>
-              <a:t>2020/4/26</a:t>
+              <a:t>2020/4/28</a:t>
             </a:fld>
             <a:endParaRPr lang="zh-TW" altLang="en-US" dirty="0"/>
           </a:p>
@@ -5016,7 +5016,7 @@
             <a:fld id="{A4F910E6-8D00-4BAF-8C48-9688E0B449D3}" type="datetime1">
               <a:rPr lang="zh-TW" altLang="en-US" smtClean="0"/>
               <a:pPr/>
-              <a:t>2020/4/26</a:t>
+              <a:t>2020/4/28</a:t>
             </a:fld>
             <a:endParaRPr lang="zh-TW" altLang="en-US" dirty="0"/>
           </a:p>
@@ -5170,7 +5170,7 @@
             <a:fld id="{C389EDC9-19E3-47AC-9C57-C6A24DEA81AD}" type="datetime1">
               <a:rPr lang="zh-TW" altLang="en-US" smtClean="0"/>
               <a:pPr/>
-              <a:t>2020/4/26</a:t>
+              <a:t>2020/4/28</a:t>
             </a:fld>
             <a:endParaRPr lang="zh-TW" altLang="en-US"/>
           </a:p>
@@ -5608,7 +5608,7 @@
             <a:fld id="{A4F910E6-8D00-4BAF-8C48-9688E0B449D3}" type="datetime1">
               <a:rPr lang="zh-TW" altLang="en-US" smtClean="0"/>
               <a:pPr/>
-              <a:t>2020/4/26</a:t>
+              <a:t>2020/4/28</a:t>
             </a:fld>
             <a:endParaRPr lang="zh-TW" altLang="en-US" dirty="0"/>
           </a:p>
@@ -5750,7 +5750,7 @@
             <a:fld id="{4E46BE27-E923-4EC2-B046-3272AE2A3E5C}" type="datetime1">
               <a:rPr lang="zh-TW" altLang="en-US" smtClean="0"/>
               <a:pPr/>
-              <a:t>2020/4/26</a:t>
+              <a:t>2020/4/28</a:t>
             </a:fld>
             <a:endParaRPr lang="zh-TW" altLang="en-US"/>
           </a:p>
@@ -6101,7 +6101,7 @@
             <a:fld id="{A4F910E6-8D00-4BAF-8C48-9688E0B449D3}" type="datetime1">
               <a:rPr lang="zh-TW" altLang="en-US" smtClean="0"/>
               <a:pPr/>
-              <a:t>2020/4/26</a:t>
+              <a:t>2020/4/28</a:t>
             </a:fld>
             <a:endParaRPr lang="zh-TW" altLang="en-US" dirty="0"/>
           </a:p>
@@ -6204,36 +6204,6 @@
       </p:sp>
       <p:sp>
         <p:nvSpPr>
-          <p:cNvPr id="3" name="副標題 2"/>
-          <p:cNvSpPr>
-            <a:spLocks noGrp="1"/>
-          </p:cNvSpPr>
-          <p:nvPr>
-            <p:ph type="subTitle" idx="1"/>
-          </p:nvPr>
-        </p:nvSpPr>
-        <p:spPr>
-          <a:xfrm>
-            <a:off x="1259632" y="4581128"/>
-            <a:ext cx="6400800" cy="694928"/>
-          </a:xfrm>
-        </p:spPr>
-        <p:txBody>
-          <a:bodyPr>
-            <a:normAutofit/>
-          </a:bodyPr>
-          <a:lstStyle/>
-          <a:p>
-            <a:r>
-              <a:rPr lang="en-US" altLang="zh-TW" dirty="0"/>
-              <a:t>Peter H. Chen</a:t>
-            </a:r>
-            <a:endParaRPr lang="zh-TW" altLang="en-US" dirty="0"/>
-          </a:p>
-        </p:txBody>
-      </p:sp>
-      <p:sp>
-        <p:nvSpPr>
           <p:cNvPr id="5" name="日期版面配置區 4"/>
           <p:cNvSpPr>
             <a:spLocks noGrp="1"/>
@@ -6250,7 +6220,7 @@
             <a:fld id="{C389EDC9-19E3-47AC-9C57-C6A24DEA81AD}" type="datetime1">
               <a:rPr lang="zh-TW" altLang="en-US" smtClean="0"/>
               <a:pPr/>
-              <a:t>2020/4/26</a:t>
+              <a:t>2020/4/28</a:t>
             </a:fld>
             <a:endParaRPr lang="zh-TW" altLang="en-US"/>
           </a:p>
@@ -6600,7 +6570,7 @@
             <a:fld id="{A4F910E6-8D00-4BAF-8C48-9688E0B449D3}" type="datetime1">
               <a:rPr lang="zh-TW" altLang="en-US" smtClean="0"/>
               <a:pPr/>
-              <a:t>2020/4/26</a:t>
+              <a:t>2020/4/28</a:t>
             </a:fld>
             <a:endParaRPr lang="zh-TW" altLang="en-US" dirty="0"/>
           </a:p>
@@ -7083,7 +7053,7 @@
             <a:fld id="{A4F910E6-8D00-4BAF-8C48-9688E0B449D3}" type="datetime1">
               <a:rPr lang="zh-TW" altLang="en-US" smtClean="0"/>
               <a:pPr/>
-              <a:t>2020/4/26</a:t>
+              <a:t>2020/4/28</a:t>
             </a:fld>
             <a:endParaRPr lang="zh-TW" altLang="en-US" dirty="0"/>
           </a:p>
@@ -7202,7 +7172,7 @@
             <a:fld id="{C389EDC9-19E3-47AC-9C57-C6A24DEA81AD}" type="datetime1">
               <a:rPr lang="zh-TW" altLang="en-US" smtClean="0"/>
               <a:pPr/>
-              <a:t>2020/4/26</a:t>
+              <a:t>2020/4/28</a:t>
             </a:fld>
             <a:endParaRPr lang="zh-TW" altLang="en-US"/>
           </a:p>
@@ -7557,7 +7527,7 @@
             <a:fld id="{A4F910E6-8D00-4BAF-8C48-9688E0B449D3}" type="datetime1">
               <a:rPr lang="zh-TW" altLang="en-US" smtClean="0"/>
               <a:pPr/>
-              <a:t>2020/4/26</a:t>
+              <a:t>2020/4/28</a:t>
             </a:fld>
             <a:endParaRPr lang="zh-TW" altLang="en-US" dirty="0"/>
           </a:p>
@@ -7846,7 +7816,7 @@
             <a:fld id="{A4F910E6-8D00-4BAF-8C48-9688E0B449D3}" type="datetime1">
               <a:rPr lang="zh-TW" altLang="en-US" smtClean="0"/>
               <a:pPr/>
-              <a:t>2020/4/26</a:t>
+              <a:t>2020/4/28</a:t>
             </a:fld>
             <a:endParaRPr lang="zh-TW" altLang="en-US" dirty="0"/>
           </a:p>
@@ -8586,7 +8556,7 @@
             <a:fld id="{A4F910E6-8D00-4BAF-8C48-9688E0B449D3}" type="datetime1">
               <a:rPr lang="zh-TW" altLang="en-US" smtClean="0"/>
               <a:pPr/>
-              <a:t>2020/4/26</a:t>
+              <a:t>2020/4/28</a:t>
             </a:fld>
             <a:endParaRPr lang="zh-TW" altLang="en-US" dirty="0"/>
           </a:p>
